--- a/Final Project/Design/Slide.pptx
+++ b/Final Project/Design/Slide.pptx
@@ -215,7 +215,7 @@
           <a:p>
             <a:fld id="{C3F05F78-2F57-4428-B243-E162221B0D56}" type="datetimeFigureOut">
               <a:rPr lang="en-US" smtClean="0"/>
-              <a:t>12/25/2020</a:t>
+              <a:t>12/28/2020</a:t>
             </a:fld>
             <a:endParaRPr lang="en-US"/>
           </a:p>
@@ -21553,7 +21553,7 @@
         <p:spPr>
           <a:xfrm>
             <a:off x="932154" y="1935332"/>
-            <a:ext cx="11037976" cy="4493538"/>
+            <a:ext cx="11037976" cy="3139321"/>
           </a:xfrm>
           <a:prstGeom prst="rect">
             <a:avLst/>
@@ -21572,7 +21572,7 @@
             </a:pPr>
             <a:r>
               <a:rPr lang="en-US" sz="2200" dirty="0" err="1"/>
-              <a:t>Bùi</a:t>
+              <a:t>Nguyễn</a:t>
             </a:r>
             <a:r>
               <a:rPr lang="en-US" sz="2200" dirty="0"/>
@@ -21580,12 +21580,17 @@
             </a:r>
             <a:r>
               <a:rPr lang="en-US" sz="2200" dirty="0" err="1"/>
-              <a:t>Tuấn</a:t>
+              <a:t>Nhật</a:t>
             </a:r>
             <a:r>
               <a:rPr lang="en-US" sz="2200" dirty="0"/>
-              <a:t> Anh (20%)</a:t>
-            </a:r>
+              <a:t> </a:t>
+            </a:r>
+            <a:r>
+              <a:rPr lang="en-US" sz="2200" dirty="0" err="1"/>
+              <a:t>Tân</a:t>
+            </a:r>
+            <a:endParaRPr lang="en-US" sz="2200" dirty="0"/>
           </a:p>
           <a:p>
             <a:pPr marL="800100" lvl="1" indent="-342900">
@@ -21606,11 +21611,11 @@
             </a:r>
             <a:r>
               <a:rPr lang="en-US" sz="2200" dirty="0"/>
-              <a:t> front end, </a:t>
+              <a:t> </a:t>
             </a:r>
             <a:r>
               <a:rPr lang="en-US" sz="2200" dirty="0" err="1"/>
-              <a:t>đặc</a:t>
+              <a:t>giao</a:t>
             </a:r>
             <a:r>
               <a:rPr lang="en-US" sz="2200" dirty="0"/>
@@ -21618,25 +21623,19 @@
             </a:r>
             <a:r>
               <a:rPr lang="en-US" sz="2200" dirty="0" err="1"/>
-              <a:t>tả</a:t>
-            </a:r>
+              <a:t>diện</a:t>
+            </a:r>
+            <a:endParaRPr lang="en-US" sz="2200" dirty="0"/>
+          </a:p>
+          <a:p>
+            <a:pPr marL="285750" indent="-285750">
+              <a:buFont typeface="Wingdings" panose="05000000000000000000" pitchFamily="2" charset="2"/>
+              <a:buChar char="Ø"/>
+            </a:pPr>
             <a:r>
               <a:rPr lang="en-US" sz="2200" dirty="0"/>
-              <a:t> </a:t>
-            </a:r>
-            <a:r>
-              <a:rPr lang="en-US" sz="2200" dirty="0" err="1"/>
-              <a:t>màn</a:t>
-            </a:r>
-            <a:r>
-              <a:rPr lang="en-US" sz="2200" dirty="0"/>
-              <a:t> </a:t>
-            </a:r>
-            <a:r>
-              <a:rPr lang="en-US" sz="2200" dirty="0" err="1"/>
-              <a:t>hình</a:t>
-            </a:r>
-            <a:endParaRPr lang="en-US" sz="2200" dirty="0"/>
+              <a:t>Trần Thế Chiến</a:t>
+            </a:r>
           </a:p>
           <a:p>
             <a:pPr marL="800100" lvl="1" indent="-342900">
@@ -21645,7 +21644,7 @@
             </a:pPr>
             <a:r>
               <a:rPr lang="en-US" sz="2200" dirty="0" err="1"/>
-              <a:t>Tham</a:t>
+              <a:t>Xây</a:t>
             </a:r>
             <a:r>
               <a:rPr lang="en-US" sz="2200" dirty="0"/>
@@ -21653,7 +21652,7 @@
             </a:r>
             <a:r>
               <a:rPr lang="en-US" sz="2200" dirty="0" err="1"/>
-              <a:t>gia</a:t>
+              <a:t>dựng</a:t>
             </a:r>
             <a:r>
               <a:rPr lang="en-US" sz="2200" dirty="0"/>
@@ -21661,7 +21660,7 @@
             </a:r>
             <a:r>
               <a:rPr lang="en-US" sz="2200" dirty="0" err="1"/>
-              <a:t>thiết</a:t>
+              <a:t>tính</a:t>
             </a:r>
             <a:r>
               <a:rPr lang="en-US" sz="2200" dirty="0"/>
@@ -21669,7 +21668,18 @@
             </a:r>
             <a:r>
               <a:rPr lang="en-US" sz="2200" dirty="0" err="1"/>
-              <a:t>kế</a:t>
+              <a:t>năng</a:t>
+            </a:r>
+            <a:endParaRPr lang="en-US" sz="2200" dirty="0"/>
+          </a:p>
+          <a:p>
+            <a:pPr marL="800100" lvl="1" indent="-342900">
+              <a:buFont typeface="Wingdings" panose="05000000000000000000" pitchFamily="2" charset="2"/>
+              <a:buChar char="§"/>
+            </a:pPr>
+            <a:r>
+              <a:rPr lang="en-US" sz="2200" dirty="0" err="1"/>
+              <a:t>Tinh</a:t>
             </a:r>
             <a:r>
               <a:rPr lang="en-US" sz="2200" dirty="0"/>
@@ -21677,35 +21687,11 @@
             </a:r>
             <a:r>
               <a:rPr lang="en-US" sz="2200" dirty="0" err="1"/>
-              <a:t>xây</a:t>
+              <a:t>chỉnh</a:t>
             </a:r>
             <a:r>
               <a:rPr lang="en-US" sz="2200" dirty="0"/>
-              <a:t> </a:t>
-            </a:r>
-            <a:r>
-              <a:rPr lang="en-US" sz="2200" dirty="0" err="1"/>
-              <a:t>dựng</a:t>
-            </a:r>
-            <a:r>
-              <a:rPr lang="en-US" sz="2200" dirty="0"/>
-              <a:t> </a:t>
-            </a:r>
-            <a:r>
-              <a:rPr lang="en-US" sz="2200" dirty="0" err="1"/>
-              <a:t>hệ</a:t>
-            </a:r>
-            <a:r>
-              <a:rPr lang="en-US" sz="2200" dirty="0"/>
-              <a:t> </a:t>
-            </a:r>
-            <a:r>
-              <a:rPr lang="en-US" sz="2200" dirty="0" err="1"/>
-              <a:t>thống</a:t>
-            </a:r>
-            <a:r>
-              <a:rPr lang="en-US" sz="2200" dirty="0"/>
-              <a:t> (Detail Design, Architecture Design, …)</a:t>
+              <a:t> code</a:t>
             </a:r>
           </a:p>
           <a:p>
@@ -21715,7 +21701,7 @@
             </a:pPr>
             <a:r>
               <a:rPr lang="en-US" sz="2200" dirty="0" err="1"/>
-              <a:t>Hoàng</a:t>
+              <a:t>Nguyễn</a:t>
             </a:r>
             <a:r>
               <a:rPr lang="en-US" sz="2200" dirty="0"/>
@@ -21723,12 +21709,17 @@
             </a:r>
             <a:r>
               <a:rPr lang="en-US" sz="2200" dirty="0" err="1"/>
-              <a:t>Vân</a:t>
+              <a:t>Đức</a:t>
             </a:r>
             <a:r>
               <a:rPr lang="en-US" sz="2200" dirty="0"/>
-              <a:t> Anh (20%)</a:t>
-            </a:r>
+              <a:t> </a:t>
+            </a:r>
+            <a:r>
+              <a:rPr lang="en-US" sz="2200" dirty="0" err="1"/>
+              <a:t>Thắng</a:t>
+            </a:r>
+            <a:endParaRPr lang="en-US" sz="2200" dirty="0"/>
           </a:p>
           <a:p>
             <a:pPr marL="800100" lvl="1" indent="-342900">
@@ -21736,8 +21727,12 @@
               <a:buChar char="§"/>
             </a:pPr>
             <a:r>
+              <a:rPr lang="en-US" sz="2200" dirty="0"/>
+              <a:t>Code backend: </a:t>
+            </a:r>
+            <a:r>
               <a:rPr lang="en-US" sz="2200" dirty="0" err="1"/>
-              <a:t>Tham</a:t>
+              <a:t>xây</a:t>
             </a:r>
             <a:r>
               <a:rPr lang="en-US" sz="2200" dirty="0"/>
@@ -21745,7 +21740,21 @@
             </a:r>
             <a:r>
               <a:rPr lang="en-US" sz="2200" dirty="0" err="1"/>
-              <a:t>gia</a:t>
+              <a:t>dựng</a:t>
+            </a:r>
+            <a:r>
+              <a:rPr lang="en-US" sz="2200" dirty="0"/>
+              <a:t> login/logout</a:t>
+            </a:r>
+          </a:p>
+          <a:p>
+            <a:pPr marL="285750" indent="-285750">
+              <a:buFont typeface="Wingdings" panose="05000000000000000000" pitchFamily="2" charset="2"/>
+              <a:buChar char="Ø"/>
+            </a:pPr>
+            <a:r>
+              <a:rPr lang="en-US" sz="2200" dirty="0" err="1"/>
+              <a:t>Nguyễn</a:t>
             </a:r>
             <a:r>
               <a:rPr lang="en-US" sz="2200" dirty="0"/>
@@ -21753,7 +21762,7 @@
             </a:r>
             <a:r>
               <a:rPr lang="en-US" sz="2200" dirty="0" err="1"/>
-              <a:t>thiết</a:t>
+              <a:t>Trung</a:t>
             </a:r>
             <a:r>
               <a:rPr lang="en-US" sz="2200" dirty="0"/>
@@ -21761,44 +21770,9 @@
             </a:r>
             <a:r>
               <a:rPr lang="en-US" sz="2200" dirty="0" err="1"/>
-              <a:t>kế</a:t>
-            </a:r>
-            <a:r>
-              <a:rPr lang="en-US" sz="2200" dirty="0"/>
-              <a:t> </a:t>
-            </a:r>
-            <a:r>
-              <a:rPr lang="en-US" sz="2200" dirty="0" err="1"/>
-              <a:t>xây</a:t>
-            </a:r>
-            <a:r>
-              <a:rPr lang="en-US" sz="2200" dirty="0"/>
-              <a:t> </a:t>
-            </a:r>
-            <a:r>
-              <a:rPr lang="en-US" sz="2200" dirty="0" err="1"/>
-              <a:t>dựng</a:t>
-            </a:r>
-            <a:r>
-              <a:rPr lang="en-US" sz="2200" dirty="0"/>
-              <a:t> </a:t>
-            </a:r>
-            <a:r>
-              <a:rPr lang="en-US" sz="2200" dirty="0" err="1"/>
-              <a:t>hệ</a:t>
-            </a:r>
-            <a:r>
-              <a:rPr lang="en-US" sz="2200" dirty="0"/>
-              <a:t> </a:t>
-            </a:r>
-            <a:r>
-              <a:rPr lang="en-US" sz="2200" dirty="0" err="1"/>
-              <a:t>thống</a:t>
-            </a:r>
-            <a:r>
-              <a:rPr lang="en-US" sz="2200" dirty="0"/>
-              <a:t> (Detail Design, Architecture Design, …)</a:t>
-            </a:r>
+              <a:t>Nghĩa</a:t>
+            </a:r>
+            <a:endParaRPr lang="en-US" sz="2200" dirty="0"/>
           </a:p>
           <a:p>
             <a:pPr marL="800100" lvl="1" indent="-342900">
@@ -21811,17 +21785,11 @@
             </a:r>
             <a:r>
               <a:rPr lang="en-US" sz="2200" dirty="0"/>
-              <a:t> Unit Test</a:t>
-            </a:r>
-          </a:p>
-          <a:p>
-            <a:pPr marL="285750" indent="-285750">
-              <a:buFont typeface="Wingdings" panose="05000000000000000000" pitchFamily="2" charset="2"/>
-              <a:buChar char="Ø"/>
-            </a:pPr>
+              <a:t> server </a:t>
+            </a:r>
             <a:r>
               <a:rPr lang="en-US" sz="2200" dirty="0" err="1"/>
-              <a:t>Nguyễn</a:t>
+              <a:t>xây</a:t>
             </a:r>
             <a:r>
               <a:rPr lang="en-US" sz="2200" dirty="0"/>
@@ -21829,21 +21797,7 @@
             </a:r>
             <a:r>
               <a:rPr lang="en-US" sz="2200" dirty="0" err="1"/>
-              <a:t>Đình</a:t>
-            </a:r>
-            <a:r>
-              <a:rPr lang="en-US" sz="2200" dirty="0"/>
-              <a:t> Chiến (20%)</a:t>
-            </a:r>
-          </a:p>
-          <a:p>
-            <a:pPr marL="800100" lvl="1" indent="-342900">
-              <a:buFont typeface="Wingdings" panose="05000000000000000000" pitchFamily="2" charset="2"/>
-              <a:buChar char="§"/>
-            </a:pPr>
-            <a:r>
-              <a:rPr lang="en-US" sz="2200" dirty="0" err="1"/>
-              <a:t>Thiết</a:t>
+              <a:t>dựng</a:t>
             </a:r>
             <a:r>
               <a:rPr lang="en-US" sz="2200" dirty="0"/>
@@ -21851,15 +21805,15 @@
             </a:r>
             <a:r>
               <a:rPr lang="en-US" sz="2200" dirty="0" err="1"/>
-              <a:t>kế</a:t>
+              <a:t>api</a:t>
             </a:r>
             <a:r>
               <a:rPr lang="en-US" sz="2200" dirty="0"/>
-              <a:t> database, </a:t>
+              <a:t>, </a:t>
             </a:r>
             <a:r>
               <a:rPr lang="en-US" sz="2200" dirty="0" err="1"/>
-              <a:t>vẽ</a:t>
+              <a:t>xử</a:t>
             </a:r>
             <a:r>
               <a:rPr lang="en-US" sz="2200" dirty="0"/>
@@ -21867,7 +21821,7 @@
             </a:r>
             <a:r>
               <a:rPr lang="en-US" sz="2200" dirty="0" err="1"/>
-              <a:t>sơ</a:t>
+              <a:t>lý</a:t>
             </a:r>
             <a:r>
               <a:rPr lang="en-US" sz="2200" dirty="0"/>
@@ -21875,255 +21829,9 @@
             </a:r>
             <a:r>
               <a:rPr lang="en-US" sz="2200" dirty="0" err="1"/>
-              <a:t>đồ</a:t>
-            </a:r>
-            <a:r>
-              <a:rPr lang="en-US" sz="2200" dirty="0"/>
-              <a:t> </a:t>
-            </a:r>
-            <a:r>
-              <a:rPr lang="en-US" sz="2200" dirty="0" err="1"/>
-              <a:t>thực</a:t>
-            </a:r>
-            <a:r>
-              <a:rPr lang="en-US" sz="2200" dirty="0"/>
-              <a:t> </a:t>
-            </a:r>
-            <a:r>
-              <a:rPr lang="en-US" sz="2200" dirty="0" err="1"/>
-              <a:t>thể</a:t>
-            </a:r>
-            <a:r>
-              <a:rPr lang="en-US" sz="2200" dirty="0"/>
-              <a:t> </a:t>
-            </a:r>
-            <a:r>
-              <a:rPr lang="en-US" sz="2200" dirty="0" err="1"/>
-              <a:t>liên</a:t>
-            </a:r>
-            <a:r>
-              <a:rPr lang="en-US" sz="2200" dirty="0"/>
-              <a:t> </a:t>
-            </a:r>
-            <a:r>
-              <a:rPr lang="en-US" sz="2200" dirty="0" err="1"/>
-              <a:t>kết</a:t>
+              <a:t>js</a:t>
             </a:r>
             <a:endParaRPr lang="en-US" sz="2200" dirty="0"/>
-          </a:p>
-          <a:p>
-            <a:pPr marL="800100" lvl="1" indent="-342900">
-              <a:buFont typeface="Wingdings" panose="05000000000000000000" pitchFamily="2" charset="2"/>
-              <a:buChar char="§"/>
-            </a:pPr>
-            <a:r>
-              <a:rPr lang="en-US" sz="2200" dirty="0" err="1"/>
-              <a:t>Tham</a:t>
-            </a:r>
-            <a:r>
-              <a:rPr lang="en-US" sz="2200" dirty="0"/>
-              <a:t> </a:t>
-            </a:r>
-            <a:r>
-              <a:rPr lang="en-US" sz="2200" dirty="0" err="1"/>
-              <a:t>gia</a:t>
-            </a:r>
-            <a:r>
-              <a:rPr lang="en-US" sz="2200" dirty="0"/>
-              <a:t> </a:t>
-            </a:r>
-            <a:r>
-              <a:rPr lang="en-US" sz="2200" dirty="0" err="1"/>
-              <a:t>thiết</a:t>
-            </a:r>
-            <a:r>
-              <a:rPr lang="en-US" sz="2200" dirty="0"/>
-              <a:t> </a:t>
-            </a:r>
-            <a:r>
-              <a:rPr lang="en-US" sz="2200" dirty="0" err="1"/>
-              <a:t>kế</a:t>
-            </a:r>
-            <a:r>
-              <a:rPr lang="en-US" sz="2200" dirty="0"/>
-              <a:t> </a:t>
-            </a:r>
-            <a:r>
-              <a:rPr lang="en-US" sz="2200" dirty="0" err="1"/>
-              <a:t>xây</a:t>
-            </a:r>
-            <a:r>
-              <a:rPr lang="en-US" sz="2200" dirty="0"/>
-              <a:t> </a:t>
-            </a:r>
-            <a:r>
-              <a:rPr lang="en-US" sz="2200" dirty="0" err="1"/>
-              <a:t>dựng</a:t>
-            </a:r>
-            <a:r>
-              <a:rPr lang="en-US" sz="2200" dirty="0"/>
-              <a:t> </a:t>
-            </a:r>
-            <a:r>
-              <a:rPr lang="en-US" sz="2200" dirty="0" err="1"/>
-              <a:t>hệ</a:t>
-            </a:r>
-            <a:r>
-              <a:rPr lang="en-US" sz="2200" dirty="0"/>
-              <a:t> </a:t>
-            </a:r>
-            <a:r>
-              <a:rPr lang="en-US" sz="2200" dirty="0" err="1"/>
-              <a:t>thống</a:t>
-            </a:r>
-            <a:r>
-              <a:rPr lang="en-US" sz="2200" dirty="0"/>
-              <a:t> (Detail Design, Architecture Design, …)</a:t>
-            </a:r>
-          </a:p>
-          <a:p>
-            <a:pPr marL="285750" indent="-285750">
-              <a:buFont typeface="Wingdings" panose="05000000000000000000" pitchFamily="2" charset="2"/>
-              <a:buChar char="Ø"/>
-            </a:pPr>
-            <a:r>
-              <a:rPr lang="en-US" sz="2200" dirty="0"/>
-              <a:t>Trần Thế Chiến (40%)</a:t>
-            </a:r>
-          </a:p>
-          <a:p>
-            <a:pPr marL="800100" lvl="1" indent="-342900">
-              <a:buFont typeface="Wingdings" panose="05000000000000000000" pitchFamily="2" charset="2"/>
-              <a:buChar char="§"/>
-            </a:pPr>
-            <a:r>
-              <a:rPr lang="en-US" sz="2200" dirty="0" err="1"/>
-              <a:t>Tham</a:t>
-            </a:r>
-            <a:r>
-              <a:rPr lang="en-US" sz="2200" dirty="0"/>
-              <a:t> </a:t>
-            </a:r>
-            <a:r>
-              <a:rPr lang="en-US" sz="2200" dirty="0" err="1"/>
-              <a:t>gia</a:t>
-            </a:r>
-            <a:r>
-              <a:rPr lang="en-US" sz="2200" dirty="0"/>
-              <a:t> </a:t>
-            </a:r>
-            <a:r>
-              <a:rPr lang="en-US" sz="2200" dirty="0" err="1"/>
-              <a:t>thiết</a:t>
-            </a:r>
-            <a:r>
-              <a:rPr lang="en-US" sz="2200" dirty="0"/>
-              <a:t> </a:t>
-            </a:r>
-            <a:r>
-              <a:rPr lang="en-US" sz="2200" dirty="0" err="1"/>
-              <a:t>kế</a:t>
-            </a:r>
-            <a:r>
-              <a:rPr lang="en-US" sz="2200" dirty="0"/>
-              <a:t> </a:t>
-            </a:r>
-            <a:r>
-              <a:rPr lang="en-US" sz="2200" dirty="0" err="1"/>
-              <a:t>xây</a:t>
-            </a:r>
-            <a:r>
-              <a:rPr lang="en-US" sz="2200" dirty="0"/>
-              <a:t> </a:t>
-            </a:r>
-            <a:r>
-              <a:rPr lang="en-US" sz="2200" dirty="0" err="1"/>
-              <a:t>dựng</a:t>
-            </a:r>
-            <a:r>
-              <a:rPr lang="en-US" sz="2200" dirty="0"/>
-              <a:t> </a:t>
-            </a:r>
-            <a:r>
-              <a:rPr lang="en-US" sz="2200" dirty="0" err="1"/>
-              <a:t>hệ</a:t>
-            </a:r>
-            <a:r>
-              <a:rPr lang="en-US" sz="2200" dirty="0"/>
-              <a:t> </a:t>
-            </a:r>
-            <a:r>
-              <a:rPr lang="en-US" sz="2200" dirty="0" err="1"/>
-              <a:t>thống</a:t>
-            </a:r>
-            <a:r>
-              <a:rPr lang="en-US" sz="2200" dirty="0"/>
-              <a:t> (Detail Design, Architecture Design, …)</a:t>
-            </a:r>
-          </a:p>
-          <a:p>
-            <a:pPr marL="800100" lvl="1" indent="-342900">
-              <a:buFont typeface="Wingdings" panose="05000000000000000000" pitchFamily="2" charset="2"/>
-              <a:buChar char="§"/>
-            </a:pPr>
-            <a:r>
-              <a:rPr lang="en-US" sz="2200" dirty="0" err="1"/>
-              <a:t>Hoàn</a:t>
-            </a:r>
-            <a:r>
-              <a:rPr lang="en-US" sz="2200" dirty="0"/>
-              <a:t> </a:t>
-            </a:r>
-            <a:r>
-              <a:rPr lang="en-US" sz="2200" dirty="0" err="1"/>
-              <a:t>thành</a:t>
-            </a:r>
-            <a:r>
-              <a:rPr lang="en-US" sz="2200" dirty="0"/>
-              <a:t> </a:t>
-            </a:r>
-            <a:r>
-              <a:rPr lang="en-US" sz="2200" dirty="0" err="1"/>
-              <a:t>báo</a:t>
-            </a:r>
-            <a:r>
-              <a:rPr lang="en-US" sz="2200" dirty="0"/>
-              <a:t> </a:t>
-            </a:r>
-            <a:r>
-              <a:rPr lang="en-US" sz="2200" dirty="0" err="1"/>
-              <a:t>cáo</a:t>
-            </a:r>
-            <a:r>
-              <a:rPr lang="en-US" sz="2200" dirty="0"/>
-              <a:t>, slide.</a:t>
-            </a:r>
-          </a:p>
-          <a:p>
-            <a:pPr marL="800100" lvl="1" indent="-342900">
-              <a:buFont typeface="Wingdings" panose="05000000000000000000" pitchFamily="2" charset="2"/>
-              <a:buChar char="§"/>
-            </a:pPr>
-            <a:r>
-              <a:rPr lang="en-US" sz="2200" dirty="0"/>
-              <a:t>Code </a:t>
-            </a:r>
-            <a:r>
-              <a:rPr lang="en-US" sz="2200" dirty="0" err="1"/>
-              <a:t>phần</a:t>
-            </a:r>
-            <a:r>
-              <a:rPr lang="en-US" sz="2200" dirty="0"/>
-              <a:t> front end </a:t>
-            </a:r>
-            <a:r>
-              <a:rPr lang="en-US" sz="2200" dirty="0" err="1"/>
-              <a:t>và</a:t>
-            </a:r>
-            <a:r>
-              <a:rPr lang="en-US" sz="2200" dirty="0"/>
-              <a:t> backend</a:t>
-            </a:r>
           </a:p>
         </p:txBody>
       </p:sp>
@@ -24885,13 +24593,13 @@
   <p:clrMapOvr>
     <a:masterClrMapping/>
   </p:clrMapOvr>
-  <mc:AlternateContent xmlns:mc="http://schemas.openxmlformats.org/markup-compatibility/2006">
-    <mc:Choice xmlns:p14="http://schemas.microsoft.com/office/powerpoint/2010/main" Requires="p14">
+  <mc:AlternateContent xmlns:mc="http://schemas.openxmlformats.org/markup-compatibility/2006" xmlns:p14="http://schemas.microsoft.com/office/powerpoint/2010/main">
+    <mc:Choice Requires="p14">
       <p:transition spd="slow" p14:dur="800">
         <p:circle/>
       </p:transition>
     </mc:Choice>
-    <mc:Fallback>
+    <mc:Fallback xmlns="">
       <p:transition spd="slow">
         <p:circle/>
       </p:transition>
@@ -25737,13 +25445,13 @@
   <p:clrMapOvr>
     <a:masterClrMapping/>
   </p:clrMapOvr>
-  <mc:AlternateContent xmlns:mc="http://schemas.openxmlformats.org/markup-compatibility/2006">
-    <mc:Choice xmlns:p14="http://schemas.microsoft.com/office/powerpoint/2010/main" Requires="p14">
+  <mc:AlternateContent xmlns:mc="http://schemas.openxmlformats.org/markup-compatibility/2006" xmlns:p14="http://schemas.microsoft.com/office/powerpoint/2010/main">
+    <mc:Choice Requires="p14">
       <p:transition spd="slow" p14:dur="800">
         <p:circle/>
       </p:transition>
     </mc:Choice>
-    <mc:Fallback>
+    <mc:Fallback xmlns="">
       <p:transition spd="slow">
         <p:circle/>
       </p:transition>
@@ -26473,13 +26181,13 @@
   <p:clrMapOvr>
     <a:masterClrMapping/>
   </p:clrMapOvr>
-  <mc:AlternateContent xmlns:mc="http://schemas.openxmlformats.org/markup-compatibility/2006">
-    <mc:Choice xmlns:p14="http://schemas.microsoft.com/office/powerpoint/2010/main" Requires="p14">
+  <mc:AlternateContent xmlns:mc="http://schemas.openxmlformats.org/markup-compatibility/2006" xmlns:p14="http://schemas.microsoft.com/office/powerpoint/2010/main">
+    <mc:Choice Requires="p14">
       <p:transition spd="slow" p14:dur="800">
         <p:circle/>
       </p:transition>
     </mc:Choice>
-    <mc:Fallback>
+    <mc:Fallback xmlns="">
       <p:transition spd="slow">
         <p:circle/>
       </p:transition>
@@ -27209,13 +26917,13 @@
   <p:clrMapOvr>
     <a:masterClrMapping/>
   </p:clrMapOvr>
-  <mc:AlternateContent xmlns:mc="http://schemas.openxmlformats.org/markup-compatibility/2006">
-    <mc:Choice xmlns:p14="http://schemas.microsoft.com/office/powerpoint/2010/main" Requires="p14">
+  <mc:AlternateContent xmlns:mc="http://schemas.openxmlformats.org/markup-compatibility/2006" xmlns:p14="http://schemas.microsoft.com/office/powerpoint/2010/main">
+    <mc:Choice Requires="p14">
       <p:transition spd="slow" p14:dur="800">
         <p:circle/>
       </p:transition>
     </mc:Choice>
-    <mc:Fallback>
+    <mc:Fallback xmlns="">
       <p:transition spd="slow">
         <p:circle/>
       </p:transition>

--- a/Final Project/Design/Slide.pptx
+++ b/Final Project/Design/Slide.pptx
@@ -215,7 +215,7 @@
           <a:p>
             <a:fld id="{C3F05F78-2F57-4428-B243-E162221B0D56}" type="datetimeFigureOut">
               <a:rPr lang="en-US" smtClean="0"/>
-              <a:t>12/28/2020</a:t>
+              <a:t>1/7/2021</a:t>
             </a:fld>
             <a:endParaRPr lang="en-US"/>
           </a:p>
@@ -21538,303 +21538,6 @@
           </a:p>
         </p:txBody>
       </p:sp>
-      <p:sp>
-        <p:nvSpPr>
-          <p:cNvPr id="9" name="TextBox 8">
-            <a:extLst>
-              <a:ext uri="{FF2B5EF4-FFF2-40B4-BE49-F238E27FC236}">
-                <a16:creationId xmlns:a16="http://schemas.microsoft.com/office/drawing/2014/main" id="{93BCBD02-67A4-4FCF-84C3-9D94BDEFA443}"/>
-              </a:ext>
-            </a:extLst>
-          </p:cNvPr>
-          <p:cNvSpPr txBox="1"/>
-          <p:nvPr/>
-        </p:nvSpPr>
-        <p:spPr>
-          <a:xfrm>
-            <a:off x="932154" y="1935332"/>
-            <a:ext cx="11037976" cy="3139321"/>
-          </a:xfrm>
-          <a:prstGeom prst="rect">
-            <a:avLst/>
-          </a:prstGeom>
-          <a:noFill/>
-        </p:spPr>
-        <p:txBody>
-          <a:bodyPr wrap="square" rtlCol="0">
-            <a:spAutoFit/>
-          </a:bodyPr>
-          <a:lstStyle/>
-          <a:p>
-            <a:pPr marL="285750" indent="-285750">
-              <a:buFont typeface="Wingdings" panose="05000000000000000000" pitchFamily="2" charset="2"/>
-              <a:buChar char="Ø"/>
-            </a:pPr>
-            <a:r>
-              <a:rPr lang="en-US" sz="2200" dirty="0" err="1"/>
-              <a:t>Nguyễn</a:t>
-            </a:r>
-            <a:r>
-              <a:rPr lang="en-US" sz="2200" dirty="0"/>
-              <a:t> </a:t>
-            </a:r>
-            <a:r>
-              <a:rPr lang="en-US" sz="2200" dirty="0" err="1"/>
-              <a:t>Nhật</a:t>
-            </a:r>
-            <a:r>
-              <a:rPr lang="en-US" sz="2200" dirty="0"/>
-              <a:t> </a:t>
-            </a:r>
-            <a:r>
-              <a:rPr lang="en-US" sz="2200" dirty="0" err="1"/>
-              <a:t>Tân</a:t>
-            </a:r>
-            <a:endParaRPr lang="en-US" sz="2200" dirty="0"/>
-          </a:p>
-          <a:p>
-            <a:pPr marL="800100" lvl="1" indent="-342900">
-              <a:buFont typeface="Wingdings" panose="05000000000000000000" pitchFamily="2" charset="2"/>
-              <a:buChar char="§"/>
-            </a:pPr>
-            <a:r>
-              <a:rPr lang="en-US" sz="2200" dirty="0" err="1"/>
-              <a:t>Thiết</a:t>
-            </a:r>
-            <a:r>
-              <a:rPr lang="en-US" sz="2200" dirty="0"/>
-              <a:t> </a:t>
-            </a:r>
-            <a:r>
-              <a:rPr lang="en-US" sz="2200" dirty="0" err="1"/>
-              <a:t>kế</a:t>
-            </a:r>
-            <a:r>
-              <a:rPr lang="en-US" sz="2200" dirty="0"/>
-              <a:t> </a:t>
-            </a:r>
-            <a:r>
-              <a:rPr lang="en-US" sz="2200" dirty="0" err="1"/>
-              <a:t>giao</a:t>
-            </a:r>
-            <a:r>
-              <a:rPr lang="en-US" sz="2200" dirty="0"/>
-              <a:t> </a:t>
-            </a:r>
-            <a:r>
-              <a:rPr lang="en-US" sz="2200" dirty="0" err="1"/>
-              <a:t>diện</a:t>
-            </a:r>
-            <a:endParaRPr lang="en-US" sz="2200" dirty="0"/>
-          </a:p>
-          <a:p>
-            <a:pPr marL="285750" indent="-285750">
-              <a:buFont typeface="Wingdings" panose="05000000000000000000" pitchFamily="2" charset="2"/>
-              <a:buChar char="Ø"/>
-            </a:pPr>
-            <a:r>
-              <a:rPr lang="en-US" sz="2200" dirty="0"/>
-              <a:t>Trần Thế Chiến</a:t>
-            </a:r>
-          </a:p>
-          <a:p>
-            <a:pPr marL="800100" lvl="1" indent="-342900">
-              <a:buFont typeface="Wingdings" panose="05000000000000000000" pitchFamily="2" charset="2"/>
-              <a:buChar char="§"/>
-            </a:pPr>
-            <a:r>
-              <a:rPr lang="en-US" sz="2200" dirty="0" err="1"/>
-              <a:t>Xây</a:t>
-            </a:r>
-            <a:r>
-              <a:rPr lang="en-US" sz="2200" dirty="0"/>
-              <a:t> </a:t>
-            </a:r>
-            <a:r>
-              <a:rPr lang="en-US" sz="2200" dirty="0" err="1"/>
-              <a:t>dựng</a:t>
-            </a:r>
-            <a:r>
-              <a:rPr lang="en-US" sz="2200" dirty="0"/>
-              <a:t> </a:t>
-            </a:r>
-            <a:r>
-              <a:rPr lang="en-US" sz="2200" dirty="0" err="1"/>
-              <a:t>tính</a:t>
-            </a:r>
-            <a:r>
-              <a:rPr lang="en-US" sz="2200" dirty="0"/>
-              <a:t> </a:t>
-            </a:r>
-            <a:r>
-              <a:rPr lang="en-US" sz="2200" dirty="0" err="1"/>
-              <a:t>năng</a:t>
-            </a:r>
-            <a:endParaRPr lang="en-US" sz="2200" dirty="0"/>
-          </a:p>
-          <a:p>
-            <a:pPr marL="800100" lvl="1" indent="-342900">
-              <a:buFont typeface="Wingdings" panose="05000000000000000000" pitchFamily="2" charset="2"/>
-              <a:buChar char="§"/>
-            </a:pPr>
-            <a:r>
-              <a:rPr lang="en-US" sz="2200" dirty="0" err="1"/>
-              <a:t>Tinh</a:t>
-            </a:r>
-            <a:r>
-              <a:rPr lang="en-US" sz="2200" dirty="0"/>
-              <a:t> </a:t>
-            </a:r>
-            <a:r>
-              <a:rPr lang="en-US" sz="2200" dirty="0" err="1"/>
-              <a:t>chỉnh</a:t>
-            </a:r>
-            <a:r>
-              <a:rPr lang="en-US" sz="2200" dirty="0"/>
-              <a:t> code</a:t>
-            </a:r>
-          </a:p>
-          <a:p>
-            <a:pPr marL="285750" indent="-285750">
-              <a:buFont typeface="Wingdings" panose="05000000000000000000" pitchFamily="2" charset="2"/>
-              <a:buChar char="Ø"/>
-            </a:pPr>
-            <a:r>
-              <a:rPr lang="en-US" sz="2200" dirty="0" err="1"/>
-              <a:t>Nguyễn</a:t>
-            </a:r>
-            <a:r>
-              <a:rPr lang="en-US" sz="2200" dirty="0"/>
-              <a:t> </a:t>
-            </a:r>
-            <a:r>
-              <a:rPr lang="en-US" sz="2200" dirty="0" err="1"/>
-              <a:t>Đức</a:t>
-            </a:r>
-            <a:r>
-              <a:rPr lang="en-US" sz="2200" dirty="0"/>
-              <a:t> </a:t>
-            </a:r>
-            <a:r>
-              <a:rPr lang="en-US" sz="2200" dirty="0" err="1"/>
-              <a:t>Thắng</a:t>
-            </a:r>
-            <a:endParaRPr lang="en-US" sz="2200" dirty="0"/>
-          </a:p>
-          <a:p>
-            <a:pPr marL="800100" lvl="1" indent="-342900">
-              <a:buFont typeface="Wingdings" panose="05000000000000000000" pitchFamily="2" charset="2"/>
-              <a:buChar char="§"/>
-            </a:pPr>
-            <a:r>
-              <a:rPr lang="en-US" sz="2200" dirty="0"/>
-              <a:t>Code backend: </a:t>
-            </a:r>
-            <a:r>
-              <a:rPr lang="en-US" sz="2200" dirty="0" err="1"/>
-              <a:t>xây</a:t>
-            </a:r>
-            <a:r>
-              <a:rPr lang="en-US" sz="2200" dirty="0"/>
-              <a:t> </a:t>
-            </a:r>
-            <a:r>
-              <a:rPr lang="en-US" sz="2200" dirty="0" err="1"/>
-              <a:t>dựng</a:t>
-            </a:r>
-            <a:r>
-              <a:rPr lang="en-US" sz="2200" dirty="0"/>
-              <a:t> login/logout</a:t>
-            </a:r>
-          </a:p>
-          <a:p>
-            <a:pPr marL="285750" indent="-285750">
-              <a:buFont typeface="Wingdings" panose="05000000000000000000" pitchFamily="2" charset="2"/>
-              <a:buChar char="Ø"/>
-            </a:pPr>
-            <a:r>
-              <a:rPr lang="en-US" sz="2200" dirty="0" err="1"/>
-              <a:t>Nguyễn</a:t>
-            </a:r>
-            <a:r>
-              <a:rPr lang="en-US" sz="2200" dirty="0"/>
-              <a:t> </a:t>
-            </a:r>
-            <a:r>
-              <a:rPr lang="en-US" sz="2200" dirty="0" err="1"/>
-              <a:t>Trung</a:t>
-            </a:r>
-            <a:r>
-              <a:rPr lang="en-US" sz="2200" dirty="0"/>
-              <a:t> </a:t>
-            </a:r>
-            <a:r>
-              <a:rPr lang="en-US" sz="2200" dirty="0" err="1"/>
-              <a:t>Nghĩa</a:t>
-            </a:r>
-            <a:endParaRPr lang="en-US" sz="2200" dirty="0"/>
-          </a:p>
-          <a:p>
-            <a:pPr marL="800100" lvl="1" indent="-342900">
-              <a:buFont typeface="Wingdings" panose="05000000000000000000" pitchFamily="2" charset="2"/>
-              <a:buChar char="§"/>
-            </a:pPr>
-            <a:r>
-              <a:rPr lang="en-US" sz="2200" dirty="0" err="1"/>
-              <a:t>Viết</a:t>
-            </a:r>
-            <a:r>
-              <a:rPr lang="en-US" sz="2200" dirty="0"/>
-              <a:t> server </a:t>
-            </a:r>
-            <a:r>
-              <a:rPr lang="en-US" sz="2200" dirty="0" err="1"/>
-              <a:t>xây</a:t>
-            </a:r>
-            <a:r>
-              <a:rPr lang="en-US" sz="2200" dirty="0"/>
-              <a:t> </a:t>
-            </a:r>
-            <a:r>
-              <a:rPr lang="en-US" sz="2200" dirty="0" err="1"/>
-              <a:t>dựng</a:t>
-            </a:r>
-            <a:r>
-              <a:rPr lang="en-US" sz="2200" dirty="0"/>
-              <a:t> </a:t>
-            </a:r>
-            <a:r>
-              <a:rPr lang="en-US" sz="2200" dirty="0" err="1"/>
-              <a:t>api</a:t>
-            </a:r>
-            <a:r>
-              <a:rPr lang="en-US" sz="2200" dirty="0"/>
-              <a:t>, </a:t>
-            </a:r>
-            <a:r>
-              <a:rPr lang="en-US" sz="2200" dirty="0" err="1"/>
-              <a:t>xử</a:t>
-            </a:r>
-            <a:r>
-              <a:rPr lang="en-US" sz="2200" dirty="0"/>
-              <a:t> </a:t>
-            </a:r>
-            <a:r>
-              <a:rPr lang="en-US" sz="2200" dirty="0" err="1"/>
-              <a:t>lý</a:t>
-            </a:r>
-            <a:r>
-              <a:rPr lang="en-US" sz="2200" dirty="0"/>
-              <a:t> </a:t>
-            </a:r>
-            <a:r>
-              <a:rPr lang="en-US" sz="2200" dirty="0" err="1"/>
-              <a:t>js</a:t>
-            </a:r>
-            <a:endParaRPr lang="en-US" sz="2200" dirty="0"/>
-          </a:p>
-        </p:txBody>
-      </p:sp>
     </p:spTree>
     <p:extLst>
       <p:ext uri="{BB962C8B-B14F-4D97-AF65-F5344CB8AC3E}">
